--- a/docs/diagrams/powerpoint/ParserManagerActivityDiagram.pptx
+++ b/docs/diagrams/powerpoint/ParserManagerActivityDiagram.pptx
@@ -7,6 +7,7 @@
   <p:sldIdLst>
     <p:sldId id="256" r:id="rId2"/>
     <p:sldId id="257" r:id="rId3"/>
+    <p:sldId id="258" r:id="rId4"/>
   </p:sldIdLst>
   <p:sldSz cx="9144000" cy="6858000" type="screen4x3"/>
   <p:notesSz cx="6858000" cy="9144000"/>
@@ -105,6 +106,11 @@
       </a:defRPr>
     </a:lvl9pPr>
   </p:defaultTextStyle>
+  <p:extLst>
+    <p:ext uri="{EFAFB233-063F-42B5-8137-9DF3F51BA10A}">
+      <p15:sldGuideLst xmlns:p15="http://schemas.microsoft.com/office/powerpoint/2012/main"/>
+    </p:ext>
+  </p:extLst>
 </p:presentation>
 </file>
 
@@ -239,7 +245,7 @@
           <a:p>
             <a:fld id="{B7D59AEB-57C5-428C-AA8C-B1274679F71D}" type="datetimeFigureOut">
               <a:rPr lang="en-SG" smtClean="0"/>
-              <a:t>27/10/2019</a:t>
+              <a:t>30/10/2019</a:t>
             </a:fld>
             <a:endParaRPr lang="en-SG" dirty="0"/>
           </a:p>
@@ -409,7 +415,7 @@
           <a:p>
             <a:fld id="{B7D59AEB-57C5-428C-AA8C-B1274679F71D}" type="datetimeFigureOut">
               <a:rPr lang="en-SG" smtClean="0"/>
-              <a:t>27/10/2019</a:t>
+              <a:t>30/10/2019</a:t>
             </a:fld>
             <a:endParaRPr lang="en-SG" dirty="0"/>
           </a:p>
@@ -589,7 +595,7 @@
           <a:p>
             <a:fld id="{B7D59AEB-57C5-428C-AA8C-B1274679F71D}" type="datetimeFigureOut">
               <a:rPr lang="en-SG" smtClean="0"/>
-              <a:t>27/10/2019</a:t>
+              <a:t>30/10/2019</a:t>
             </a:fld>
             <a:endParaRPr lang="en-SG" dirty="0"/>
           </a:p>
@@ -759,7 +765,7 @@
           <a:p>
             <a:fld id="{B7D59AEB-57C5-428C-AA8C-B1274679F71D}" type="datetimeFigureOut">
               <a:rPr lang="en-SG" smtClean="0"/>
-              <a:t>27/10/2019</a:t>
+              <a:t>30/10/2019</a:t>
             </a:fld>
             <a:endParaRPr lang="en-SG" dirty="0"/>
           </a:p>
@@ -1003,7 +1009,7 @@
           <a:p>
             <a:fld id="{B7D59AEB-57C5-428C-AA8C-B1274679F71D}" type="datetimeFigureOut">
               <a:rPr lang="en-SG" smtClean="0"/>
-              <a:t>27/10/2019</a:t>
+              <a:t>30/10/2019</a:t>
             </a:fld>
             <a:endParaRPr lang="en-SG" dirty="0"/>
           </a:p>
@@ -1235,7 +1241,7 @@
           <a:p>
             <a:fld id="{B7D59AEB-57C5-428C-AA8C-B1274679F71D}" type="datetimeFigureOut">
               <a:rPr lang="en-SG" smtClean="0"/>
-              <a:t>27/10/2019</a:t>
+              <a:t>30/10/2019</a:t>
             </a:fld>
             <a:endParaRPr lang="en-SG" dirty="0"/>
           </a:p>
@@ -1602,7 +1608,7 @@
           <a:p>
             <a:fld id="{B7D59AEB-57C5-428C-AA8C-B1274679F71D}" type="datetimeFigureOut">
               <a:rPr lang="en-SG" smtClean="0"/>
-              <a:t>27/10/2019</a:t>
+              <a:t>30/10/2019</a:t>
             </a:fld>
             <a:endParaRPr lang="en-SG" dirty="0"/>
           </a:p>
@@ -1720,7 +1726,7 @@
           <a:p>
             <a:fld id="{B7D59AEB-57C5-428C-AA8C-B1274679F71D}" type="datetimeFigureOut">
               <a:rPr lang="en-SG" smtClean="0"/>
-              <a:t>27/10/2019</a:t>
+              <a:t>30/10/2019</a:t>
             </a:fld>
             <a:endParaRPr lang="en-SG" dirty="0"/>
           </a:p>
@@ -1815,7 +1821,7 @@
           <a:p>
             <a:fld id="{B7D59AEB-57C5-428C-AA8C-B1274679F71D}" type="datetimeFigureOut">
               <a:rPr lang="en-SG" smtClean="0"/>
-              <a:t>27/10/2019</a:t>
+              <a:t>30/10/2019</a:t>
             </a:fld>
             <a:endParaRPr lang="en-SG" dirty="0"/>
           </a:p>
@@ -2092,7 +2098,7 @@
           <a:p>
             <a:fld id="{B7D59AEB-57C5-428C-AA8C-B1274679F71D}" type="datetimeFigureOut">
               <a:rPr lang="en-SG" smtClean="0"/>
-              <a:t>27/10/2019</a:t>
+              <a:t>30/10/2019</a:t>
             </a:fld>
             <a:endParaRPr lang="en-SG" dirty="0"/>
           </a:p>
@@ -2348,7 +2354,7 @@
           <a:p>
             <a:fld id="{B7D59AEB-57C5-428C-AA8C-B1274679F71D}" type="datetimeFigureOut">
               <a:rPr lang="en-SG" smtClean="0"/>
-              <a:t>27/10/2019</a:t>
+              <a:t>30/10/2019</a:t>
             </a:fld>
             <a:endParaRPr lang="en-SG" dirty="0"/>
           </a:p>
@@ -2561,7 +2567,7 @@
           <a:p>
             <a:fld id="{B7D59AEB-57C5-428C-AA8C-B1274679F71D}" type="datetimeFigureOut">
               <a:rPr lang="en-SG" smtClean="0"/>
-              <a:t>27/10/2019</a:t>
+              <a:t>30/10/2019</a:t>
             </a:fld>
             <a:endParaRPr lang="en-SG" dirty="0"/>
           </a:p>
@@ -7290,6 +7296,86 @@
 </p:sld>
 </file>
 
+<file path=ppt/slides/slide3.xml><?xml version="1.0" encoding="utf-8"?>
+<p:sld xmlns:a="http://schemas.openxmlformats.org/drawingml/2006/main" xmlns:r="http://schemas.openxmlformats.org/officeDocument/2006/relationships" xmlns:p="http://schemas.openxmlformats.org/presentationml/2006/main">
+  <p:cSld>
+    <p:spTree>
+      <p:nvGrpSpPr>
+        <p:cNvPr id="1" name=""/>
+        <p:cNvGrpSpPr/>
+        <p:nvPr/>
+      </p:nvGrpSpPr>
+      <p:grpSpPr>
+        <a:xfrm>
+          <a:off x="0" y="0"/>
+          <a:ext cx="0" cy="0"/>
+          <a:chOff x="0" y="0"/>
+          <a:chExt cx="0" cy="0"/>
+        </a:xfrm>
+      </p:grpSpPr>
+      <p:sp>
+        <p:nvSpPr>
+          <p:cNvPr id="2" name="Title 1">
+            <a:extLst>
+              <a:ext uri="{FF2B5EF4-FFF2-40B4-BE49-F238E27FC236}">
+                <a16:creationId xmlns:a16="http://schemas.microsoft.com/office/drawing/2014/main" id="{6CECF942-212F-431A-9A62-1B972F6DE737}"/>
+              </a:ext>
+            </a:extLst>
+          </p:cNvPr>
+          <p:cNvSpPr>
+            <a:spLocks noGrp="1"/>
+          </p:cNvSpPr>
+          <p:nvPr>
+            <p:ph type="title"/>
+          </p:nvPr>
+        </p:nvSpPr>
+        <p:spPr/>
+        <p:txBody>
+          <a:bodyPr/>
+          <a:lstStyle/>
+          <a:p>
+            <a:endParaRPr lang="en-SG"/>
+          </a:p>
+        </p:txBody>
+      </p:sp>
+      <p:sp>
+        <p:nvSpPr>
+          <p:cNvPr id="3" name="Content Placeholder 2">
+            <a:extLst>
+              <a:ext uri="{FF2B5EF4-FFF2-40B4-BE49-F238E27FC236}">
+                <a16:creationId xmlns:a16="http://schemas.microsoft.com/office/drawing/2014/main" id="{175CFF29-B1FA-4D54-B06E-06ED44C4FFF3}"/>
+              </a:ext>
+            </a:extLst>
+          </p:cNvPr>
+          <p:cNvSpPr>
+            <a:spLocks noGrp="1"/>
+          </p:cNvSpPr>
+          <p:nvPr>
+            <p:ph idx="1"/>
+          </p:nvPr>
+        </p:nvSpPr>
+        <p:spPr/>
+        <p:txBody>
+          <a:bodyPr/>
+          <a:lstStyle/>
+          <a:p>
+            <a:endParaRPr lang="en-SG"/>
+          </a:p>
+        </p:txBody>
+      </p:sp>
+    </p:spTree>
+    <p:extLst>
+      <p:ext uri="{BB962C8B-B14F-4D97-AF65-F5344CB8AC3E}">
+        <p14:creationId xmlns:p14="http://schemas.microsoft.com/office/powerpoint/2010/main" val="1536219153"/>
+      </p:ext>
+    </p:extLst>
+  </p:cSld>
+  <p:clrMapOvr>
+    <a:masterClrMapping/>
+  </p:clrMapOvr>
+</p:sld>
+</file>
+
 <file path=ppt/theme/theme1.xml><?xml version="1.0" encoding="utf-8"?>
 <a:theme xmlns:a="http://schemas.openxmlformats.org/drawingml/2006/main" name="Office Theme">
   <a:themeElements>

--- a/docs/diagrams/powerpoint/ParserManagerActivityDiagram.pptx
+++ b/docs/diagrams/powerpoint/ParserManagerActivityDiagram.pptx
@@ -8,6 +8,7 @@
     <p:sldId id="256" r:id="rId2"/>
     <p:sldId id="257" r:id="rId3"/>
     <p:sldId id="258" r:id="rId4"/>
+    <p:sldId id="259" r:id="rId5"/>
   </p:sldIdLst>
   <p:sldSz cx="9144000" cy="6858000" type="screen4x3"/>
   <p:notesSz cx="6858000" cy="9144000"/>
@@ -245,7 +246,7 @@
           <a:p>
             <a:fld id="{B7D59AEB-57C5-428C-AA8C-B1274679F71D}" type="datetimeFigureOut">
               <a:rPr lang="en-SG" smtClean="0"/>
-              <a:t>30/10/2019</a:t>
+              <a:t>9/11/2019</a:t>
             </a:fld>
             <a:endParaRPr lang="en-SG" dirty="0"/>
           </a:p>
@@ -415,7 +416,7 @@
           <a:p>
             <a:fld id="{B7D59AEB-57C5-428C-AA8C-B1274679F71D}" type="datetimeFigureOut">
               <a:rPr lang="en-SG" smtClean="0"/>
-              <a:t>30/10/2019</a:t>
+              <a:t>9/11/2019</a:t>
             </a:fld>
             <a:endParaRPr lang="en-SG" dirty="0"/>
           </a:p>
@@ -595,7 +596,7 @@
           <a:p>
             <a:fld id="{B7D59AEB-57C5-428C-AA8C-B1274679F71D}" type="datetimeFigureOut">
               <a:rPr lang="en-SG" smtClean="0"/>
-              <a:t>30/10/2019</a:t>
+              <a:t>9/11/2019</a:t>
             </a:fld>
             <a:endParaRPr lang="en-SG" dirty="0"/>
           </a:p>
@@ -765,7 +766,7 @@
           <a:p>
             <a:fld id="{B7D59AEB-57C5-428C-AA8C-B1274679F71D}" type="datetimeFigureOut">
               <a:rPr lang="en-SG" smtClean="0"/>
-              <a:t>30/10/2019</a:t>
+              <a:t>9/11/2019</a:t>
             </a:fld>
             <a:endParaRPr lang="en-SG" dirty="0"/>
           </a:p>
@@ -1009,7 +1010,7 @@
           <a:p>
             <a:fld id="{B7D59AEB-57C5-428C-AA8C-B1274679F71D}" type="datetimeFigureOut">
               <a:rPr lang="en-SG" smtClean="0"/>
-              <a:t>30/10/2019</a:t>
+              <a:t>9/11/2019</a:t>
             </a:fld>
             <a:endParaRPr lang="en-SG" dirty="0"/>
           </a:p>
@@ -1241,7 +1242,7 @@
           <a:p>
             <a:fld id="{B7D59AEB-57C5-428C-AA8C-B1274679F71D}" type="datetimeFigureOut">
               <a:rPr lang="en-SG" smtClean="0"/>
-              <a:t>30/10/2019</a:t>
+              <a:t>9/11/2019</a:t>
             </a:fld>
             <a:endParaRPr lang="en-SG" dirty="0"/>
           </a:p>
@@ -1608,7 +1609,7 @@
           <a:p>
             <a:fld id="{B7D59AEB-57C5-428C-AA8C-B1274679F71D}" type="datetimeFigureOut">
               <a:rPr lang="en-SG" smtClean="0"/>
-              <a:t>30/10/2019</a:t>
+              <a:t>9/11/2019</a:t>
             </a:fld>
             <a:endParaRPr lang="en-SG" dirty="0"/>
           </a:p>
@@ -1726,7 +1727,7 @@
           <a:p>
             <a:fld id="{B7D59AEB-57C5-428C-AA8C-B1274679F71D}" type="datetimeFigureOut">
               <a:rPr lang="en-SG" smtClean="0"/>
-              <a:t>30/10/2019</a:t>
+              <a:t>9/11/2019</a:t>
             </a:fld>
             <a:endParaRPr lang="en-SG" dirty="0"/>
           </a:p>
@@ -1821,7 +1822,7 @@
           <a:p>
             <a:fld id="{B7D59AEB-57C5-428C-AA8C-B1274679F71D}" type="datetimeFigureOut">
               <a:rPr lang="en-SG" smtClean="0"/>
-              <a:t>30/10/2019</a:t>
+              <a:t>9/11/2019</a:t>
             </a:fld>
             <a:endParaRPr lang="en-SG" dirty="0"/>
           </a:p>
@@ -2098,7 +2099,7 @@
           <a:p>
             <a:fld id="{B7D59AEB-57C5-428C-AA8C-B1274679F71D}" type="datetimeFigureOut">
               <a:rPr lang="en-SG" smtClean="0"/>
-              <a:t>30/10/2019</a:t>
+              <a:t>9/11/2019</a:t>
             </a:fld>
             <a:endParaRPr lang="en-SG" dirty="0"/>
           </a:p>
@@ -2354,7 +2355,7 @@
           <a:p>
             <a:fld id="{B7D59AEB-57C5-428C-AA8C-B1274679F71D}" type="datetimeFigureOut">
               <a:rPr lang="en-SG" smtClean="0"/>
-              <a:t>30/10/2019</a:t>
+              <a:t>9/11/2019</a:t>
             </a:fld>
             <a:endParaRPr lang="en-SG" dirty="0"/>
           </a:p>
@@ -2567,7 +2568,7 @@
           <a:p>
             <a:fld id="{B7D59AEB-57C5-428C-AA8C-B1274679F71D}" type="datetimeFigureOut">
               <a:rPr lang="en-SG" smtClean="0"/>
-              <a:t>30/10/2019</a:t>
+              <a:t>9/11/2019</a:t>
             </a:fld>
             <a:endParaRPr lang="en-SG" dirty="0"/>
           </a:p>
@@ -7313,53 +7314,1666 @@
           <a:chExt cx="0" cy="0"/>
         </a:xfrm>
       </p:grpSpPr>
-      <p:sp>
-        <p:nvSpPr>
-          <p:cNvPr id="2" name="Title 1">
-            <a:extLst>
-              <a:ext uri="{FF2B5EF4-FFF2-40B4-BE49-F238E27FC236}">
-                <a16:creationId xmlns:a16="http://schemas.microsoft.com/office/drawing/2014/main" id="{6CECF942-212F-431A-9A62-1B972F6DE737}"/>
-              </a:ext>
-            </a:extLst>
-          </p:cNvPr>
-          <p:cNvSpPr>
-            <a:spLocks noGrp="1"/>
-          </p:cNvSpPr>
+      <p:grpSp>
+        <p:nvGrpSpPr>
+          <p:cNvPr id="117" name="Group 116">
+            <a:extLst>
+              <a:ext uri="{FF2B5EF4-FFF2-40B4-BE49-F238E27FC236}">
+                <a16:creationId xmlns:a16="http://schemas.microsoft.com/office/drawing/2014/main" id="{3FCDED85-9203-4136-A3EE-3A0DFBECC81A}"/>
+              </a:ext>
+            </a:extLst>
+          </p:cNvPr>
+          <p:cNvGrpSpPr/>
+          <p:nvPr/>
+        </p:nvGrpSpPr>
+        <p:grpSpPr>
+          <a:xfrm>
+            <a:off x="468766" y="476450"/>
+            <a:ext cx="1974573" cy="4726084"/>
+            <a:chOff x="1488674" y="1250172"/>
+            <a:chExt cx="1974573" cy="4726084"/>
+          </a:xfrm>
+        </p:grpSpPr>
+        <p:sp>
+          <p:nvSpPr>
+            <p:cNvPr id="4" name="Oval 3">
+              <a:extLst>
+                <a:ext uri="{FF2B5EF4-FFF2-40B4-BE49-F238E27FC236}">
+                  <a16:creationId xmlns:a16="http://schemas.microsoft.com/office/drawing/2014/main" id="{C8BF392B-F2BD-48FA-A56B-4CE745C19C4A}"/>
+                </a:ext>
+              </a:extLst>
+            </p:cNvPr>
+            <p:cNvSpPr/>
+            <p:nvPr/>
+          </p:nvSpPr>
+          <p:spPr>
+            <a:xfrm>
+              <a:off x="2780975" y="1250172"/>
+              <a:ext cx="287079" cy="287079"/>
+            </a:xfrm>
+            <a:prstGeom prst="ellipse">
+              <a:avLst/>
+            </a:prstGeom>
+          </p:spPr>
+          <p:style>
+            <a:lnRef idx="2">
+              <a:schemeClr val="dk1">
+                <a:shade val="50000"/>
+              </a:schemeClr>
+            </a:lnRef>
+            <a:fillRef idx="1">
+              <a:schemeClr val="dk1"/>
+            </a:fillRef>
+            <a:effectRef idx="0">
+              <a:schemeClr val="dk1"/>
+            </a:effectRef>
+            <a:fontRef idx="minor">
+              <a:schemeClr val="lt1"/>
+            </a:fontRef>
+          </p:style>
+          <p:txBody>
+            <a:bodyPr rtlCol="0" anchor="ctr"/>
+            <a:lstStyle/>
+            <a:p>
+              <a:pPr algn="ctr"/>
+              <a:endParaRPr lang="en-SG" dirty="0"/>
+            </a:p>
+          </p:txBody>
+        </p:sp>
+        <p:cxnSp>
+          <p:nvCxnSpPr>
+            <p:cNvPr id="5" name="Straight Arrow Connector 4">
+              <a:extLst>
+                <a:ext uri="{FF2B5EF4-FFF2-40B4-BE49-F238E27FC236}">
+                  <a16:creationId xmlns:a16="http://schemas.microsoft.com/office/drawing/2014/main" id="{B85E0C64-A450-4697-9C2A-AC8D680D6C0A}"/>
+                </a:ext>
+              </a:extLst>
+            </p:cNvPr>
+            <p:cNvCxnSpPr>
+              <a:cxnSpLocks/>
+              <a:stCxn id="4" idx="4"/>
+              <a:endCxn id="63" idx="0"/>
+            </p:cNvCxnSpPr>
+            <p:nvPr/>
+          </p:nvCxnSpPr>
+          <p:spPr>
+            <a:xfrm>
+              <a:off x="2924515" y="1537251"/>
+              <a:ext cx="0" cy="375625"/>
+            </a:xfrm>
+            <a:prstGeom prst="straightConnector1">
+              <a:avLst/>
+            </a:prstGeom>
+            <a:ln>
+              <a:headEnd type="none" w="med" len="med"/>
+              <a:tailEnd type="arrow" w="med" len="med"/>
+            </a:ln>
+          </p:spPr>
+          <p:style>
+            <a:lnRef idx="3">
+              <a:schemeClr val="dk1"/>
+            </a:lnRef>
+            <a:fillRef idx="0">
+              <a:schemeClr val="dk1"/>
+            </a:fillRef>
+            <a:effectRef idx="2">
+              <a:schemeClr val="dk1"/>
+            </a:effectRef>
+            <a:fontRef idx="minor">
+              <a:schemeClr val="tx1"/>
+            </a:fontRef>
+          </p:style>
+        </p:cxnSp>
+        <p:sp>
+          <p:nvSpPr>
+            <p:cNvPr id="8" name="Rectangle: Rounded Corners 7">
+              <a:extLst>
+                <a:ext uri="{FF2B5EF4-FFF2-40B4-BE49-F238E27FC236}">
+                  <a16:creationId xmlns:a16="http://schemas.microsoft.com/office/drawing/2014/main" id="{4A2165C2-74A8-4252-86C1-EFC393E23683}"/>
+                </a:ext>
+              </a:extLst>
+            </p:cNvPr>
+            <p:cNvSpPr/>
+            <p:nvPr/>
+          </p:nvSpPr>
+          <p:spPr>
+            <a:xfrm>
+              <a:off x="2385785" y="3429000"/>
+              <a:ext cx="1077462" cy="271130"/>
+            </a:xfrm>
+            <a:prstGeom prst="roundRect">
+              <a:avLst/>
+            </a:prstGeom>
+            <a:ln w="19050"/>
+          </p:spPr>
+          <p:style>
+            <a:lnRef idx="2">
+              <a:schemeClr val="dk1"/>
+            </a:lnRef>
+            <a:fillRef idx="1">
+              <a:schemeClr val="lt1"/>
+            </a:fillRef>
+            <a:effectRef idx="0">
+              <a:schemeClr val="dk1"/>
+            </a:effectRef>
+            <a:fontRef idx="minor">
+              <a:schemeClr val="dk1"/>
+            </a:fontRef>
+          </p:style>
+          <p:txBody>
+            <a:bodyPr rtlCol="0" anchor="ctr"/>
+            <a:lstStyle/>
+            <a:p>
+              <a:pPr algn="ctr"/>
+              <a:r>
+                <a:rPr lang="en-SG" sz="1400" dirty="0"/>
+                <a:t>State B</a:t>
+              </a:r>
+            </a:p>
+          </p:txBody>
+        </p:sp>
+        <p:cxnSp>
+          <p:nvCxnSpPr>
+            <p:cNvPr id="9" name="Straight Arrow Connector 8">
+              <a:extLst>
+                <a:ext uri="{FF2B5EF4-FFF2-40B4-BE49-F238E27FC236}">
+                  <a16:creationId xmlns:a16="http://schemas.microsoft.com/office/drawing/2014/main" id="{062BCCBC-3402-4984-851F-D03449FD4CDF}"/>
+                </a:ext>
+              </a:extLst>
+            </p:cNvPr>
+            <p:cNvCxnSpPr>
+              <a:cxnSpLocks/>
+              <a:stCxn id="81" idx="2"/>
+              <a:endCxn id="8" idx="0"/>
+            </p:cNvCxnSpPr>
+            <p:nvPr/>
+          </p:nvCxnSpPr>
+          <p:spPr>
+            <a:xfrm flipH="1">
+              <a:off x="2924516" y="2970149"/>
+              <a:ext cx="1" cy="458851"/>
+            </a:xfrm>
+            <a:prstGeom prst="straightConnector1">
+              <a:avLst/>
+            </a:prstGeom>
+            <a:ln>
+              <a:headEnd type="none" w="med" len="med"/>
+              <a:tailEnd type="arrow" w="med" len="med"/>
+            </a:ln>
+          </p:spPr>
+          <p:style>
+            <a:lnRef idx="3">
+              <a:schemeClr val="dk1"/>
+            </a:lnRef>
+            <a:fillRef idx="0">
+              <a:schemeClr val="dk1"/>
+            </a:fillRef>
+            <a:effectRef idx="2">
+              <a:schemeClr val="dk1"/>
+            </a:effectRef>
+            <a:fontRef idx="minor">
+              <a:schemeClr val="tx1"/>
+            </a:fontRef>
+          </p:style>
+        </p:cxnSp>
+        <p:cxnSp>
+          <p:nvCxnSpPr>
+            <p:cNvPr id="16" name="Straight Arrow Connector 15">
+              <a:extLst>
+                <a:ext uri="{FF2B5EF4-FFF2-40B4-BE49-F238E27FC236}">
+                  <a16:creationId xmlns:a16="http://schemas.microsoft.com/office/drawing/2014/main" id="{38B9432D-86C7-4AA8-BC20-F7953F74A509}"/>
+                </a:ext>
+              </a:extLst>
+            </p:cNvPr>
+            <p:cNvCxnSpPr>
+              <a:cxnSpLocks/>
+              <a:stCxn id="8" idx="2"/>
+              <a:endCxn id="24" idx="0"/>
+            </p:cNvCxnSpPr>
+            <p:nvPr/>
+          </p:nvCxnSpPr>
+          <p:spPr>
+            <a:xfrm>
+              <a:off x="2924516" y="3700130"/>
+              <a:ext cx="1" cy="396614"/>
+            </a:xfrm>
+            <a:prstGeom prst="straightConnector1">
+              <a:avLst/>
+            </a:prstGeom>
+            <a:ln>
+              <a:headEnd type="none" w="med" len="med"/>
+              <a:tailEnd type="arrow" w="med" len="med"/>
+            </a:ln>
+          </p:spPr>
+          <p:style>
+            <a:lnRef idx="3">
+              <a:schemeClr val="dk1"/>
+            </a:lnRef>
+            <a:fillRef idx="0">
+              <a:schemeClr val="dk1"/>
+            </a:fillRef>
+            <a:effectRef idx="2">
+              <a:schemeClr val="dk1"/>
+            </a:effectRef>
+            <a:fontRef idx="minor">
+              <a:schemeClr val="tx1"/>
+            </a:fontRef>
+          </p:style>
+        </p:cxnSp>
+        <p:sp>
+          <p:nvSpPr>
+            <p:cNvPr id="18" name="TextBox 17">
+              <a:extLst>
+                <a:ext uri="{FF2B5EF4-FFF2-40B4-BE49-F238E27FC236}">
+                  <a16:creationId xmlns:a16="http://schemas.microsoft.com/office/drawing/2014/main" id="{BB0ABC83-7EBD-4093-8221-1DB7A9B24063}"/>
+                </a:ext>
+              </a:extLst>
+            </p:cNvPr>
+            <p:cNvSpPr txBox="1"/>
+            <p:nvPr/>
+          </p:nvSpPr>
+          <p:spPr>
+            <a:xfrm>
+              <a:off x="2409702" y="5297764"/>
+              <a:ext cx="540957" cy="261610"/>
+            </a:xfrm>
+            <a:prstGeom prst="rect">
+              <a:avLst/>
+            </a:prstGeom>
+            <a:noFill/>
+          </p:spPr>
+          <p:txBody>
+            <a:bodyPr wrap="square" rtlCol="0">
+              <a:spAutoFit/>
+            </a:bodyPr>
+            <a:lstStyle/>
+            <a:p>
+              <a:r>
+                <a:rPr lang="en-SG" sz="1100" dirty="0"/>
+                <a:t>[Stop]</a:t>
+              </a:r>
+            </a:p>
+          </p:txBody>
+        </p:sp>
+        <p:cxnSp>
+          <p:nvCxnSpPr>
+            <p:cNvPr id="20" name="Straight Arrow Connector 19">
+              <a:extLst>
+                <a:ext uri="{FF2B5EF4-FFF2-40B4-BE49-F238E27FC236}">
+                  <a16:creationId xmlns:a16="http://schemas.microsoft.com/office/drawing/2014/main" id="{E2B14432-8EA7-471E-A4D7-6381A73F711C}"/>
+                </a:ext>
+              </a:extLst>
+            </p:cNvPr>
+            <p:cNvCxnSpPr>
+              <a:cxnSpLocks/>
+              <a:stCxn id="24" idx="1"/>
+              <a:endCxn id="22" idx="6"/>
+            </p:cNvCxnSpPr>
+            <p:nvPr/>
+          </p:nvCxnSpPr>
+          <p:spPr>
+            <a:xfrm flipH="1" flipV="1">
+              <a:off x="1775753" y="4273991"/>
+              <a:ext cx="983961" cy="849"/>
+            </a:xfrm>
+            <a:prstGeom prst="straightConnector1">
+              <a:avLst/>
+            </a:prstGeom>
+            <a:ln>
+              <a:headEnd type="none" w="med" len="med"/>
+              <a:tailEnd type="arrow" w="med" len="med"/>
+            </a:ln>
+          </p:spPr>
+          <p:style>
+            <a:lnRef idx="3">
+              <a:schemeClr val="dk1"/>
+            </a:lnRef>
+            <a:fillRef idx="0">
+              <a:schemeClr val="dk1"/>
+            </a:fillRef>
+            <a:effectRef idx="2">
+              <a:schemeClr val="dk1"/>
+            </a:effectRef>
+            <a:fontRef idx="minor">
+              <a:schemeClr val="tx1"/>
+            </a:fontRef>
+          </p:style>
+        </p:cxnSp>
+        <p:grpSp>
+          <p:nvGrpSpPr>
+            <p:cNvPr id="21" name="Group 20">
+              <a:extLst>
+                <a:ext uri="{FF2B5EF4-FFF2-40B4-BE49-F238E27FC236}">
+                  <a16:creationId xmlns:a16="http://schemas.microsoft.com/office/drawing/2014/main" id="{6D2E4CDF-0836-4482-8B9F-A6A55AEE751F}"/>
+                </a:ext>
+              </a:extLst>
+            </p:cNvPr>
+            <p:cNvGrpSpPr/>
+            <p:nvPr/>
+          </p:nvGrpSpPr>
+          <p:grpSpPr>
+            <a:xfrm>
+              <a:off x="1488674" y="4130451"/>
+              <a:ext cx="287079" cy="287079"/>
+              <a:chOff x="2443582" y="3784692"/>
+              <a:chExt cx="287079" cy="287079"/>
+            </a:xfrm>
+          </p:grpSpPr>
+          <p:sp>
+            <p:nvSpPr>
+              <p:cNvPr id="22" name="Oval 21">
+                <a:extLst>
+                  <a:ext uri="{FF2B5EF4-FFF2-40B4-BE49-F238E27FC236}">
+                    <a16:creationId xmlns:a16="http://schemas.microsoft.com/office/drawing/2014/main" id="{A3E3C844-5BC3-4793-ABDB-5DAAFC518BDF}"/>
+                  </a:ext>
+                </a:extLst>
+              </p:cNvPr>
+              <p:cNvSpPr/>
+              <p:nvPr/>
+            </p:nvSpPr>
+            <p:spPr>
+              <a:xfrm>
+                <a:off x="2443582" y="3784692"/>
+                <a:ext cx="287079" cy="287079"/>
+              </a:xfrm>
+              <a:prstGeom prst="ellipse">
+                <a:avLst/>
+              </a:prstGeom>
+            </p:spPr>
+            <p:style>
+              <a:lnRef idx="2">
+                <a:schemeClr val="dk1"/>
+              </a:lnRef>
+              <a:fillRef idx="1">
+                <a:schemeClr val="lt1"/>
+              </a:fillRef>
+              <a:effectRef idx="0">
+                <a:schemeClr val="dk1"/>
+              </a:effectRef>
+              <a:fontRef idx="minor">
+                <a:schemeClr val="dk1"/>
+              </a:fontRef>
+            </p:style>
+            <p:txBody>
+              <a:bodyPr rtlCol="0" anchor="ctr"/>
+              <a:lstStyle/>
+              <a:p>
+                <a:pPr algn="ctr"/>
+                <a:endParaRPr lang="en-SG" dirty="0"/>
+              </a:p>
+            </p:txBody>
+          </p:sp>
+          <p:sp>
+            <p:nvSpPr>
+              <p:cNvPr id="23" name="Oval 22">
+                <a:extLst>
+                  <a:ext uri="{FF2B5EF4-FFF2-40B4-BE49-F238E27FC236}">
+                    <a16:creationId xmlns:a16="http://schemas.microsoft.com/office/drawing/2014/main" id="{26BC9782-B431-4976-AD4F-724B86E88F19}"/>
+                  </a:ext>
+                </a:extLst>
+              </p:cNvPr>
+              <p:cNvSpPr/>
+              <p:nvPr/>
+            </p:nvSpPr>
+            <p:spPr>
+              <a:xfrm>
+                <a:off x="2495858" y="3834034"/>
+                <a:ext cx="182526" cy="182526"/>
+              </a:xfrm>
+              <a:prstGeom prst="ellipse">
+                <a:avLst/>
+              </a:prstGeom>
+            </p:spPr>
+            <p:style>
+              <a:lnRef idx="2">
+                <a:schemeClr val="dk1">
+                  <a:shade val="50000"/>
+                </a:schemeClr>
+              </a:lnRef>
+              <a:fillRef idx="1">
+                <a:schemeClr val="dk1"/>
+              </a:fillRef>
+              <a:effectRef idx="0">
+                <a:schemeClr val="dk1"/>
+              </a:effectRef>
+              <a:fontRef idx="minor">
+                <a:schemeClr val="lt1"/>
+              </a:fontRef>
+            </p:style>
+            <p:txBody>
+              <a:bodyPr rtlCol="0" anchor="ctr"/>
+              <a:lstStyle/>
+              <a:p>
+                <a:pPr algn="ctr"/>
+                <a:endParaRPr lang="en-SG" dirty="0"/>
+              </a:p>
+            </p:txBody>
+          </p:sp>
+        </p:grpSp>
+        <p:sp>
+          <p:nvSpPr>
+            <p:cNvPr id="24" name="Flowchart: Decision 23">
+              <a:extLst>
+                <a:ext uri="{FF2B5EF4-FFF2-40B4-BE49-F238E27FC236}">
+                  <a16:creationId xmlns:a16="http://schemas.microsoft.com/office/drawing/2014/main" id="{BC21CBDB-F402-4039-A41D-DA55549A07EC}"/>
+                </a:ext>
+              </a:extLst>
+            </p:cNvPr>
+            <p:cNvSpPr/>
+            <p:nvPr/>
+          </p:nvSpPr>
+          <p:spPr>
+            <a:xfrm>
+              <a:off x="2759714" y="4096744"/>
+              <a:ext cx="329605" cy="356191"/>
+            </a:xfrm>
+            <a:prstGeom prst="flowChartDecision">
+              <a:avLst/>
+            </a:prstGeom>
+          </p:spPr>
+          <p:style>
+            <a:lnRef idx="2">
+              <a:schemeClr val="dk1"/>
+            </a:lnRef>
+            <a:fillRef idx="1">
+              <a:schemeClr val="lt1"/>
+            </a:fillRef>
+            <a:effectRef idx="0">
+              <a:schemeClr val="dk1"/>
+            </a:effectRef>
+            <a:fontRef idx="minor">
+              <a:schemeClr val="dk1"/>
+            </a:fontRef>
+          </p:style>
+          <p:txBody>
+            <a:bodyPr rtlCol="0" anchor="ctr"/>
+            <a:lstStyle/>
+            <a:p>
+              <a:pPr algn="ctr"/>
+              <a:endParaRPr lang="en-SG" dirty="0"/>
+            </a:p>
+          </p:txBody>
+        </p:sp>
+        <p:sp>
+          <p:nvSpPr>
+            <p:cNvPr id="26" name="TextBox 25">
+              <a:extLst>
+                <a:ext uri="{FF2B5EF4-FFF2-40B4-BE49-F238E27FC236}">
+                  <a16:creationId xmlns:a16="http://schemas.microsoft.com/office/drawing/2014/main" id="{2F708589-F6A2-48F9-88B8-B7E3B346ED28}"/>
+                </a:ext>
+              </a:extLst>
+            </p:cNvPr>
+            <p:cNvSpPr txBox="1"/>
+            <p:nvPr/>
+          </p:nvSpPr>
+          <p:spPr>
+            <a:xfrm>
+              <a:off x="1896021" y="4028176"/>
+              <a:ext cx="501591" cy="261610"/>
+            </a:xfrm>
+            <a:prstGeom prst="rect">
+              <a:avLst/>
+            </a:prstGeom>
+            <a:noFill/>
+          </p:spPr>
+          <p:txBody>
+            <a:bodyPr wrap="square" rtlCol="0">
+              <a:spAutoFit/>
+            </a:bodyPr>
+            <a:lstStyle/>
+            <a:p>
+              <a:r>
+                <a:rPr lang="en-SG" sz="1100" dirty="0"/>
+                <a:t>[Exit]</a:t>
+              </a:r>
+            </a:p>
+          </p:txBody>
+        </p:sp>
+        <p:sp>
+          <p:nvSpPr>
+            <p:cNvPr id="63" name="Rectangle: Rounded Corners 62">
+              <a:extLst>
+                <a:ext uri="{FF2B5EF4-FFF2-40B4-BE49-F238E27FC236}">
+                  <a16:creationId xmlns:a16="http://schemas.microsoft.com/office/drawing/2014/main" id="{9872D0D8-16CF-485F-92B5-77CC557CB4B2}"/>
+                </a:ext>
+              </a:extLst>
+            </p:cNvPr>
+            <p:cNvSpPr/>
+            <p:nvPr/>
+          </p:nvSpPr>
+          <p:spPr>
+            <a:xfrm>
+              <a:off x="2385784" y="1912876"/>
+              <a:ext cx="1077462" cy="271130"/>
+            </a:xfrm>
+            <a:prstGeom prst="roundRect">
+              <a:avLst/>
+            </a:prstGeom>
+            <a:ln w="19050"/>
+          </p:spPr>
+          <p:style>
+            <a:lnRef idx="2">
+              <a:schemeClr val="dk1"/>
+            </a:lnRef>
+            <a:fillRef idx="1">
+              <a:schemeClr val="lt1"/>
+            </a:fillRef>
+            <a:effectRef idx="0">
+              <a:schemeClr val="dk1"/>
+            </a:effectRef>
+            <a:fontRef idx="minor">
+              <a:schemeClr val="dk1"/>
+            </a:fontRef>
+          </p:style>
+          <p:txBody>
+            <a:bodyPr rtlCol="0" anchor="ctr"/>
+            <a:lstStyle/>
+            <a:p>
+              <a:pPr algn="ctr"/>
+              <a:r>
+                <a:rPr lang="en-SG" sz="1400" dirty="0"/>
+                <a:t>State A</a:t>
+              </a:r>
+            </a:p>
+          </p:txBody>
+        </p:sp>
+        <p:cxnSp>
+          <p:nvCxnSpPr>
+            <p:cNvPr id="66" name="Straight Arrow Connector 65">
+              <a:extLst>
+                <a:ext uri="{FF2B5EF4-FFF2-40B4-BE49-F238E27FC236}">
+                  <a16:creationId xmlns:a16="http://schemas.microsoft.com/office/drawing/2014/main" id="{0D5D7B2F-E220-4A02-B632-0E9FEFE93CA8}"/>
+                </a:ext>
+              </a:extLst>
+            </p:cNvPr>
+            <p:cNvCxnSpPr>
+              <a:cxnSpLocks/>
+              <a:stCxn id="63" idx="2"/>
+              <a:endCxn id="81" idx="0"/>
+            </p:cNvCxnSpPr>
+            <p:nvPr/>
+          </p:nvCxnSpPr>
+          <p:spPr>
+            <a:xfrm>
+              <a:off x="2924515" y="2184006"/>
+              <a:ext cx="2" cy="429952"/>
+            </a:xfrm>
+            <a:prstGeom prst="straightConnector1">
+              <a:avLst/>
+            </a:prstGeom>
+            <a:ln>
+              <a:headEnd type="none" w="med" len="med"/>
+              <a:tailEnd type="arrow" w="med" len="med"/>
+            </a:ln>
+          </p:spPr>
+          <p:style>
+            <a:lnRef idx="3">
+              <a:schemeClr val="dk1"/>
+            </a:lnRef>
+            <a:fillRef idx="0">
+              <a:schemeClr val="dk1"/>
+            </a:fillRef>
+            <a:effectRef idx="2">
+              <a:schemeClr val="dk1"/>
+            </a:effectRef>
+            <a:fontRef idx="minor">
+              <a:schemeClr val="tx1"/>
+            </a:fontRef>
+          </p:style>
+        </p:cxnSp>
+        <p:sp>
+          <p:nvSpPr>
+            <p:cNvPr id="69" name="Rectangle: Rounded Corners 68">
+              <a:extLst>
+                <a:ext uri="{FF2B5EF4-FFF2-40B4-BE49-F238E27FC236}">
+                  <a16:creationId xmlns:a16="http://schemas.microsoft.com/office/drawing/2014/main" id="{1CBA0230-FD6B-4215-84EC-1AC45663B0C6}"/>
+                </a:ext>
+              </a:extLst>
+            </p:cNvPr>
+            <p:cNvSpPr/>
+            <p:nvPr/>
+          </p:nvSpPr>
+          <p:spPr>
+            <a:xfrm>
+              <a:off x="2385785" y="4917107"/>
+              <a:ext cx="1077462" cy="271130"/>
+            </a:xfrm>
+            <a:prstGeom prst="roundRect">
+              <a:avLst/>
+            </a:prstGeom>
+            <a:ln w="19050"/>
+          </p:spPr>
+          <p:style>
+            <a:lnRef idx="2">
+              <a:schemeClr val="dk1"/>
+            </a:lnRef>
+            <a:fillRef idx="1">
+              <a:schemeClr val="lt1"/>
+            </a:fillRef>
+            <a:effectRef idx="0">
+              <a:schemeClr val="dk1"/>
+            </a:effectRef>
+            <a:fontRef idx="minor">
+              <a:schemeClr val="dk1"/>
+            </a:fontRef>
+          </p:style>
+          <p:txBody>
+            <a:bodyPr rtlCol="0" anchor="ctr"/>
+            <a:lstStyle/>
+            <a:p>
+              <a:pPr algn="ctr"/>
+              <a:r>
+                <a:rPr lang="en-SG" sz="1400" dirty="0"/>
+                <a:t>State C</a:t>
+              </a:r>
+            </a:p>
+          </p:txBody>
+        </p:sp>
+        <p:cxnSp>
+          <p:nvCxnSpPr>
+            <p:cNvPr id="70" name="Straight Arrow Connector 69">
+              <a:extLst>
+                <a:ext uri="{FF2B5EF4-FFF2-40B4-BE49-F238E27FC236}">
+                  <a16:creationId xmlns:a16="http://schemas.microsoft.com/office/drawing/2014/main" id="{E4F409CC-E473-431B-824B-4F8C2F6173C9}"/>
+                </a:ext>
+              </a:extLst>
+            </p:cNvPr>
+            <p:cNvCxnSpPr>
+              <a:cxnSpLocks/>
+              <a:stCxn id="24" idx="2"/>
+              <a:endCxn id="69" idx="0"/>
+            </p:cNvCxnSpPr>
+            <p:nvPr/>
+          </p:nvCxnSpPr>
+          <p:spPr>
+            <a:xfrm flipH="1">
+              <a:off x="2924516" y="4452935"/>
+              <a:ext cx="1" cy="464172"/>
+            </a:xfrm>
+            <a:prstGeom prst="straightConnector1">
+              <a:avLst/>
+            </a:prstGeom>
+            <a:ln>
+              <a:headEnd type="none" w="med" len="med"/>
+              <a:tailEnd type="arrow" w="med" len="med"/>
+            </a:ln>
+          </p:spPr>
+          <p:style>
+            <a:lnRef idx="3">
+              <a:schemeClr val="dk1"/>
+            </a:lnRef>
+            <a:fillRef idx="0">
+              <a:schemeClr val="dk1"/>
+            </a:fillRef>
+            <a:effectRef idx="2">
+              <a:schemeClr val="dk1"/>
+            </a:effectRef>
+            <a:fontRef idx="minor">
+              <a:schemeClr val="tx1"/>
+            </a:fontRef>
+          </p:style>
+        </p:cxnSp>
+        <p:sp>
+          <p:nvSpPr>
+            <p:cNvPr id="76" name="Rectangle: Rounded Corners 75">
+              <a:extLst>
+                <a:ext uri="{FF2B5EF4-FFF2-40B4-BE49-F238E27FC236}">
+                  <a16:creationId xmlns:a16="http://schemas.microsoft.com/office/drawing/2014/main" id="{BD9DE4BC-078B-472D-A25A-0BB8700CA358}"/>
+                </a:ext>
+              </a:extLst>
+            </p:cNvPr>
+            <p:cNvSpPr/>
+            <p:nvPr/>
+          </p:nvSpPr>
+          <p:spPr>
+            <a:xfrm>
+              <a:off x="2385785" y="5705126"/>
+              <a:ext cx="1077462" cy="271130"/>
+            </a:xfrm>
+            <a:prstGeom prst="roundRect">
+              <a:avLst/>
+            </a:prstGeom>
+            <a:ln w="19050"/>
+          </p:spPr>
+          <p:style>
+            <a:lnRef idx="2">
+              <a:schemeClr val="dk1"/>
+            </a:lnRef>
+            <a:fillRef idx="1">
+              <a:schemeClr val="lt1"/>
+            </a:fillRef>
+            <a:effectRef idx="0">
+              <a:schemeClr val="dk1"/>
+            </a:effectRef>
+            <a:fontRef idx="minor">
+              <a:schemeClr val="dk1"/>
+            </a:fontRef>
+          </p:style>
+          <p:txBody>
+            <a:bodyPr rtlCol="0" anchor="ctr"/>
+            <a:lstStyle/>
+            <a:p>
+              <a:pPr algn="ctr"/>
+              <a:r>
+                <a:rPr lang="en-SG" sz="1400" dirty="0"/>
+                <a:t>State D</a:t>
+              </a:r>
+            </a:p>
+          </p:txBody>
+        </p:sp>
+        <p:cxnSp>
+          <p:nvCxnSpPr>
+            <p:cNvPr id="77" name="Straight Arrow Connector 76">
+              <a:extLst>
+                <a:ext uri="{FF2B5EF4-FFF2-40B4-BE49-F238E27FC236}">
+                  <a16:creationId xmlns:a16="http://schemas.microsoft.com/office/drawing/2014/main" id="{843446E1-9622-4508-9FFE-25216CB91CBD}"/>
+                </a:ext>
+              </a:extLst>
+            </p:cNvPr>
+            <p:cNvCxnSpPr>
+              <a:cxnSpLocks/>
+              <a:stCxn id="69" idx="2"/>
+              <a:endCxn id="76" idx="0"/>
+            </p:cNvCxnSpPr>
+            <p:nvPr/>
+          </p:nvCxnSpPr>
+          <p:spPr>
+            <a:xfrm>
+              <a:off x="2924516" y="5188237"/>
+              <a:ext cx="0" cy="516889"/>
+            </a:xfrm>
+            <a:prstGeom prst="straightConnector1">
+              <a:avLst/>
+            </a:prstGeom>
+            <a:ln>
+              <a:headEnd type="none" w="med" len="med"/>
+              <a:tailEnd type="arrow" w="med" len="med"/>
+            </a:ln>
+          </p:spPr>
+          <p:style>
+            <a:lnRef idx="3">
+              <a:schemeClr val="dk1"/>
+            </a:lnRef>
+            <a:fillRef idx="0">
+              <a:schemeClr val="dk1"/>
+            </a:fillRef>
+            <a:effectRef idx="2">
+              <a:schemeClr val="dk1"/>
+            </a:effectRef>
+            <a:fontRef idx="minor">
+              <a:schemeClr val="tx1"/>
+            </a:fontRef>
+          </p:style>
+        </p:cxnSp>
+        <p:cxnSp>
+          <p:nvCxnSpPr>
+            <p:cNvPr id="80" name="Connector: Elbow 79">
+              <a:extLst>
+                <a:ext uri="{FF2B5EF4-FFF2-40B4-BE49-F238E27FC236}">
+                  <a16:creationId xmlns:a16="http://schemas.microsoft.com/office/drawing/2014/main" id="{E0331D9B-D1A1-441F-9E04-8C5F95623839}"/>
+                </a:ext>
+              </a:extLst>
+            </p:cNvPr>
+            <p:cNvCxnSpPr>
+              <a:cxnSpLocks/>
+              <a:stCxn id="76" idx="3"/>
+              <a:endCxn id="81" idx="3"/>
+            </p:cNvCxnSpPr>
+            <p:nvPr/>
+          </p:nvCxnSpPr>
+          <p:spPr>
+            <a:xfrm flipH="1" flipV="1">
+              <a:off x="3089319" y="2792054"/>
+              <a:ext cx="373928" cy="3048637"/>
+            </a:xfrm>
+            <a:prstGeom prst="bentConnector3">
+              <a:avLst>
+                <a:gd name="adj1" fmla="val -61135"/>
+              </a:avLst>
+            </a:prstGeom>
+            <a:ln>
+              <a:tailEnd type="triangle"/>
+            </a:ln>
+          </p:spPr>
+          <p:style>
+            <a:lnRef idx="3">
+              <a:schemeClr val="dk1"/>
+            </a:lnRef>
+            <a:fillRef idx="0">
+              <a:schemeClr val="dk1"/>
+            </a:fillRef>
+            <a:effectRef idx="2">
+              <a:schemeClr val="dk1"/>
+            </a:effectRef>
+            <a:fontRef idx="minor">
+              <a:schemeClr val="tx1"/>
+            </a:fontRef>
+          </p:style>
+        </p:cxnSp>
+        <p:sp>
+          <p:nvSpPr>
+            <p:cNvPr id="81" name="Flowchart: Decision 80">
+              <a:extLst>
+                <a:ext uri="{FF2B5EF4-FFF2-40B4-BE49-F238E27FC236}">
+                  <a16:creationId xmlns:a16="http://schemas.microsoft.com/office/drawing/2014/main" id="{A3DAF5EA-260A-4E8C-9645-AAD08DE61986}"/>
+                </a:ext>
+              </a:extLst>
+            </p:cNvPr>
+            <p:cNvSpPr/>
+            <p:nvPr/>
+          </p:nvSpPr>
+          <p:spPr>
+            <a:xfrm>
+              <a:off x="2759714" y="2613958"/>
+              <a:ext cx="329605" cy="356191"/>
+            </a:xfrm>
+            <a:prstGeom prst="flowChartDecision">
+              <a:avLst/>
+            </a:prstGeom>
+          </p:spPr>
+          <p:style>
+            <a:lnRef idx="2">
+              <a:schemeClr val="dk1"/>
+            </a:lnRef>
+            <a:fillRef idx="1">
+              <a:schemeClr val="lt1"/>
+            </a:fillRef>
+            <a:effectRef idx="0">
+              <a:schemeClr val="dk1"/>
+            </a:effectRef>
+            <a:fontRef idx="minor">
+              <a:schemeClr val="dk1"/>
+            </a:fontRef>
+          </p:style>
+          <p:txBody>
+            <a:bodyPr rtlCol="0" anchor="ctr"/>
+            <a:lstStyle/>
+            <a:p>
+              <a:pPr algn="ctr"/>
+              <a:endParaRPr lang="en-SG" dirty="0"/>
+            </a:p>
+          </p:txBody>
+        </p:sp>
+        <p:sp>
+          <p:nvSpPr>
+            <p:cNvPr id="104" name="TextBox 103">
+              <a:extLst>
+                <a:ext uri="{FF2B5EF4-FFF2-40B4-BE49-F238E27FC236}">
+                  <a16:creationId xmlns:a16="http://schemas.microsoft.com/office/drawing/2014/main" id="{91DE5396-92AB-4435-800E-DAFAC6784B8F}"/>
+                </a:ext>
+              </a:extLst>
+            </p:cNvPr>
+            <p:cNvSpPr txBox="1"/>
+            <p:nvPr/>
+          </p:nvSpPr>
+          <p:spPr>
+            <a:xfrm>
+              <a:off x="2424429" y="4493358"/>
+              <a:ext cx="540957" cy="261610"/>
+            </a:xfrm>
+            <a:prstGeom prst="rect">
+              <a:avLst/>
+            </a:prstGeom>
+            <a:noFill/>
+          </p:spPr>
+          <p:txBody>
+            <a:bodyPr wrap="square" rtlCol="0">
+              <a:spAutoFit/>
+            </a:bodyPr>
+            <a:lstStyle/>
+            <a:p>
+              <a:r>
+                <a:rPr lang="en-SG" sz="1100" dirty="0"/>
+                <a:t>[Start]</a:t>
+              </a:r>
+            </a:p>
+          </p:txBody>
+        </p:sp>
+      </p:grpSp>
+      <p:graphicFrame>
+        <p:nvGraphicFramePr>
+          <p:cNvPr id="115" name="Table 115">
+            <a:extLst>
+              <a:ext uri="{FF2B5EF4-FFF2-40B4-BE49-F238E27FC236}">
+                <a16:creationId xmlns:a16="http://schemas.microsoft.com/office/drawing/2014/main" id="{9D9339CE-2A56-427A-B596-44FC68CCC042}"/>
+              </a:ext>
+            </a:extLst>
+          </p:cNvPr>
+          <p:cNvGraphicFramePr>
+            <a:graphicFrameLocks noGrp="1"/>
+          </p:cNvGraphicFramePr>
           <p:nvPr>
-            <p:ph type="title"/>
+            <p:extLst>
+              <p:ext uri="{D42A27DB-BD31-4B8C-83A1-F6EECF244321}">
+                <p14:modId xmlns:p14="http://schemas.microsoft.com/office/powerpoint/2010/main" val="3626769853"/>
+              </p:ext>
+            </p:extLst>
           </p:nvPr>
-        </p:nvSpPr>
-        <p:spPr/>
-        <p:txBody>
-          <a:bodyPr/>
-          <a:lstStyle/>
-          <a:p>
-            <a:endParaRPr lang="en-SG"/>
-          </a:p>
-        </p:txBody>
-      </p:sp>
-      <p:sp>
-        <p:nvSpPr>
-          <p:cNvPr id="3" name="Content Placeholder 2">
-            <a:extLst>
-              <a:ext uri="{FF2B5EF4-FFF2-40B4-BE49-F238E27FC236}">
-                <a16:creationId xmlns:a16="http://schemas.microsoft.com/office/drawing/2014/main" id="{175CFF29-B1FA-4D54-B06E-06ED44C4FFF3}"/>
-              </a:ext>
-            </a:extLst>
-          </p:cNvPr>
-          <p:cNvSpPr>
-            <a:spLocks noGrp="1"/>
-          </p:cNvSpPr>
-          <p:nvPr>
-            <p:ph idx="1"/>
-          </p:nvPr>
-        </p:nvSpPr>
-        <p:spPr/>
-        <p:txBody>
-          <a:bodyPr/>
-          <a:lstStyle/>
-          <a:p>
-            <a:endParaRPr lang="en-SG"/>
+        </p:nvGraphicFramePr>
+        <p:xfrm>
+          <a:off x="3926984" y="476450"/>
+          <a:ext cx="4302610" cy="4726082"/>
+        </p:xfrm>
+        <a:graphic>
+          <a:graphicData uri="http://schemas.openxmlformats.org/drawingml/2006/table">
+            <a:tbl>
+              <a:tblPr firstRow="1" bandRow="1">
+                <a:tableStyleId>{9DCAF9ED-07DC-4A11-8D7F-57B35C25682E}</a:tableStyleId>
+              </a:tblPr>
+              <a:tblGrid>
+                <a:gridCol w="875357">
+                  <a:extLst>
+                    <a:ext uri="{9D8B030D-6E8A-4147-A177-3AD203B41FA5}">
+                      <a16:colId xmlns:a16="http://schemas.microsoft.com/office/drawing/2014/main" val="2474107733"/>
+                    </a:ext>
+                  </a:extLst>
+                </a:gridCol>
+                <a:gridCol w="1043375">
+                  <a:extLst>
+                    <a:ext uri="{9D8B030D-6E8A-4147-A177-3AD203B41FA5}">
+                      <a16:colId xmlns:a16="http://schemas.microsoft.com/office/drawing/2014/main" val="710792389"/>
+                    </a:ext>
+                  </a:extLst>
+                </a:gridCol>
+                <a:gridCol w="962908">
+                  <a:extLst>
+                    <a:ext uri="{9D8B030D-6E8A-4147-A177-3AD203B41FA5}">
+                      <a16:colId xmlns:a16="http://schemas.microsoft.com/office/drawing/2014/main" val="4233669187"/>
+                    </a:ext>
+                  </a:extLst>
+                </a:gridCol>
+                <a:gridCol w="1420970">
+                  <a:extLst>
+                    <a:ext uri="{9D8B030D-6E8A-4147-A177-3AD203B41FA5}">
+                      <a16:colId xmlns:a16="http://schemas.microsoft.com/office/drawing/2014/main" val="791881315"/>
+                    </a:ext>
+                  </a:extLst>
+                </a:gridCol>
+              </a:tblGrid>
+              <a:tr h="411438">
+                <a:tc>
+                  <a:txBody>
+                    <a:bodyPr/>
+                    <a:lstStyle/>
+                    <a:p>
+                      <a:r>
+                        <a:rPr lang="en-SG" dirty="0"/>
+                        <a:t>State</a:t>
+                      </a:r>
+                    </a:p>
+                  </a:txBody>
+                  <a:tcPr/>
+                </a:tc>
+                <a:tc>
+                  <a:txBody>
+                    <a:bodyPr/>
+                    <a:lstStyle/>
+                    <a:p>
+                      <a:r>
+                        <a:rPr lang="en-SG" dirty="0"/>
+                        <a:t>Switch</a:t>
+                      </a:r>
+                    </a:p>
+                  </a:txBody>
+                  <a:tcPr/>
+                </a:tc>
+                <a:tc>
+                  <a:txBody>
+                    <a:bodyPr/>
+                    <a:lstStyle/>
+                    <a:p>
+                      <a:r>
+                        <a:rPr lang="en-SG" dirty="0"/>
+                        <a:t>Mode</a:t>
+                      </a:r>
+                    </a:p>
+                  </a:txBody>
+                  <a:tcPr/>
+                </a:tc>
+                <a:tc>
+                  <a:txBody>
+                    <a:bodyPr/>
+                    <a:lstStyle/>
+                    <a:p>
+                      <a:r>
+                        <a:rPr lang="en-SG" dirty="0"/>
+                        <a:t>Purpose</a:t>
+                      </a:r>
+                    </a:p>
+                  </a:txBody>
+                  <a:tcPr/>
+                </a:tc>
+                <a:extLst>
+                  <a:ext uri="{0D108BD9-81ED-4DB2-BD59-A6C34878D82A}">
+                    <a16:rowId xmlns:a16="http://schemas.microsoft.com/office/drawing/2014/main" val="1777722341"/>
+                  </a:ext>
+                </a:extLst>
+              </a:tr>
+              <a:tr h="1078661">
+                <a:tc>
+                  <a:txBody>
+                    <a:bodyPr/>
+                    <a:lstStyle/>
+                    <a:p>
+                      <a:pPr algn="ctr"/>
+                      <a:r>
+                        <a:rPr lang="en-SG" dirty="0"/>
+                        <a:t>A</a:t>
+                      </a:r>
+                    </a:p>
+                  </a:txBody>
+                  <a:tcPr/>
+                </a:tc>
+                <a:tc>
+                  <a:txBody>
+                    <a:bodyPr/>
+                    <a:lstStyle/>
+                    <a:p>
+                      <a:pPr marL="0" marR="0" lvl="0" indent="0" algn="ctr" defTabSz="914400" rtl="0" eaLnBrk="1" fontAlgn="auto" latinLnBrk="0" hangingPunct="1">
+                        <a:lnSpc>
+                          <a:spcPct val="100000"/>
+                        </a:lnSpc>
+                        <a:spcBef>
+                          <a:spcPts val="0"/>
+                        </a:spcBef>
+                        <a:spcAft>
+                          <a:spcPts val="0"/>
+                        </a:spcAft>
+                        <a:buClrTx/>
+                        <a:buSzTx/>
+                        <a:buFontTx/>
+                        <a:buNone/>
+                        <a:tabLst/>
+                        <a:defRPr/>
+                      </a:pPr>
+                      <a:r>
+                        <a:rPr lang="en-SG" sz="1800" kern="1200" dirty="0">
+                          <a:effectLst/>
+                        </a:rPr>
+                        <a:t>✖</a:t>
+                      </a:r>
+                      <a:endParaRPr lang="en-SG" dirty="0"/>
+                    </a:p>
+                  </a:txBody>
+                  <a:tcPr/>
+                </a:tc>
+                <a:tc>
+                  <a:txBody>
+                    <a:bodyPr/>
+                    <a:lstStyle/>
+                    <a:p>
+                      <a:pPr marL="0" marR="0" lvl="0" indent="0" algn="ctr" defTabSz="914400" rtl="0" eaLnBrk="1" fontAlgn="auto" latinLnBrk="0" hangingPunct="1">
+                        <a:lnSpc>
+                          <a:spcPct val="100000"/>
+                        </a:lnSpc>
+                        <a:spcBef>
+                          <a:spcPts val="0"/>
+                        </a:spcBef>
+                        <a:spcAft>
+                          <a:spcPts val="0"/>
+                        </a:spcAft>
+                        <a:buClrTx/>
+                        <a:buSzTx/>
+                        <a:buFontTx/>
+                        <a:buNone/>
+                        <a:tabLst/>
+                        <a:defRPr/>
+                      </a:pPr>
+                      <a:r>
+                        <a:rPr lang="en-SG" sz="1800" kern="1200" dirty="0">
+                          <a:effectLst/>
+                        </a:rPr>
+                        <a:t>✔</a:t>
+                      </a:r>
+                    </a:p>
+                    <a:p>
+                      <a:pPr marL="0" marR="0" lvl="0" indent="0" algn="l" defTabSz="914400" rtl="0" eaLnBrk="1" fontAlgn="auto" latinLnBrk="0" hangingPunct="1">
+                        <a:lnSpc>
+                          <a:spcPct val="100000"/>
+                        </a:lnSpc>
+                        <a:spcBef>
+                          <a:spcPts val="0"/>
+                        </a:spcBef>
+                        <a:spcAft>
+                          <a:spcPts val="0"/>
+                        </a:spcAft>
+                        <a:buClrTx/>
+                        <a:buSzTx/>
+                        <a:buFontTx/>
+                        <a:buNone/>
+                        <a:tabLst/>
+                        <a:defRPr/>
+                      </a:pPr>
+                      <a:r>
+                        <a:rPr lang="en-SG" sz="1200" kern="1200" dirty="0">
+                          <a:effectLst/>
+                        </a:rPr>
+                        <a:t>only Home</a:t>
+                      </a:r>
+                    </a:p>
+                    <a:p>
+                      <a:pPr marL="0" marR="0" lvl="0" indent="0" algn="l" defTabSz="914400" rtl="0" eaLnBrk="1" fontAlgn="auto" latinLnBrk="0" hangingPunct="1">
+                        <a:lnSpc>
+                          <a:spcPct val="100000"/>
+                        </a:lnSpc>
+                        <a:spcBef>
+                          <a:spcPts val="0"/>
+                        </a:spcBef>
+                        <a:spcAft>
+                          <a:spcPts val="0"/>
+                        </a:spcAft>
+                        <a:buClrTx/>
+                        <a:buSzTx/>
+                        <a:buFontTx/>
+                        <a:buNone/>
+                        <a:tabLst/>
+                        <a:defRPr/>
+                      </a:pPr>
+                      <a:r>
+                        <a:rPr lang="en-SG" sz="1200" kern="1200" dirty="0">
+                          <a:effectLst/>
+                        </a:rPr>
+                        <a:t>Commands</a:t>
+                      </a:r>
+                      <a:endParaRPr lang="en-SG" sz="1200" dirty="0"/>
+                    </a:p>
+                  </a:txBody>
+                  <a:tcPr/>
+                </a:tc>
+                <a:tc>
+                  <a:txBody>
+                    <a:bodyPr/>
+                    <a:lstStyle/>
+                    <a:p>
+                      <a:r>
+                        <a:rPr lang="en-SG" sz="1200" dirty="0"/>
+                        <a:t>To ensure that WordBank is selected before switching to another mode</a:t>
+                      </a:r>
+                    </a:p>
+                  </a:txBody>
+                  <a:tcPr/>
+                </a:tc>
+                <a:extLst>
+                  <a:ext uri="{0D108BD9-81ED-4DB2-BD59-A6C34878D82A}">
+                    <a16:rowId xmlns:a16="http://schemas.microsoft.com/office/drawing/2014/main" val="2181148469"/>
+                  </a:ext>
+                </a:extLst>
+              </a:tr>
+              <a:tr h="1078661">
+                <a:tc>
+                  <a:txBody>
+                    <a:bodyPr/>
+                    <a:lstStyle/>
+                    <a:p>
+                      <a:pPr algn="ctr"/>
+                      <a:r>
+                        <a:rPr lang="en-SG" dirty="0"/>
+                        <a:t>B</a:t>
+                      </a:r>
+                    </a:p>
+                  </a:txBody>
+                  <a:tcPr/>
+                </a:tc>
+                <a:tc>
+                  <a:txBody>
+                    <a:bodyPr/>
+                    <a:lstStyle/>
+                    <a:p>
+                      <a:pPr marL="0" marR="0" lvl="0" indent="0" algn="ctr" defTabSz="914400" rtl="0" eaLnBrk="1" fontAlgn="auto" latinLnBrk="0" hangingPunct="1">
+                        <a:lnSpc>
+                          <a:spcPct val="100000"/>
+                        </a:lnSpc>
+                        <a:spcBef>
+                          <a:spcPts val="0"/>
+                        </a:spcBef>
+                        <a:spcAft>
+                          <a:spcPts val="0"/>
+                        </a:spcAft>
+                        <a:buClrTx/>
+                        <a:buSzTx/>
+                        <a:buFontTx/>
+                        <a:buNone/>
+                        <a:tabLst/>
+                        <a:defRPr/>
+                      </a:pPr>
+                      <a:r>
+                        <a:rPr lang="en-SG" sz="1800" kern="1200" dirty="0">
+                          <a:effectLst/>
+                        </a:rPr>
+                        <a:t>✔</a:t>
+                      </a:r>
+                      <a:endParaRPr lang="en-SG" dirty="0"/>
+                    </a:p>
+                  </a:txBody>
+                  <a:tcPr/>
+                </a:tc>
+                <a:tc>
+                  <a:txBody>
+                    <a:bodyPr/>
+                    <a:lstStyle/>
+                    <a:p>
+                      <a:pPr marL="0" marR="0" lvl="0" indent="0" algn="ctr" defTabSz="914400" rtl="0" eaLnBrk="1" fontAlgn="auto" latinLnBrk="0" hangingPunct="1">
+                        <a:lnSpc>
+                          <a:spcPct val="100000"/>
+                        </a:lnSpc>
+                        <a:spcBef>
+                          <a:spcPts val="0"/>
+                        </a:spcBef>
+                        <a:spcAft>
+                          <a:spcPts val="0"/>
+                        </a:spcAft>
+                        <a:buClrTx/>
+                        <a:buSzTx/>
+                        <a:buFontTx/>
+                        <a:buNone/>
+                        <a:tabLst/>
+                        <a:defRPr/>
+                      </a:pPr>
+                      <a:r>
+                        <a:rPr lang="en-SG" sz="1800" kern="1200" dirty="0">
+                          <a:effectLst/>
+                        </a:rPr>
+                        <a:t>✔</a:t>
+                      </a:r>
+                    </a:p>
+                    <a:p>
+                      <a:pPr marL="0" marR="0" lvl="0" indent="0" algn="ctr" defTabSz="914400" rtl="0" eaLnBrk="1" fontAlgn="auto" latinLnBrk="0" hangingPunct="1">
+                        <a:lnSpc>
+                          <a:spcPct val="100000"/>
+                        </a:lnSpc>
+                        <a:spcBef>
+                          <a:spcPts val="0"/>
+                        </a:spcBef>
+                        <a:spcAft>
+                          <a:spcPts val="0"/>
+                        </a:spcAft>
+                        <a:buClrTx/>
+                        <a:buSzTx/>
+                        <a:buFontTx/>
+                        <a:buNone/>
+                        <a:tabLst/>
+                        <a:defRPr/>
+                      </a:pPr>
+                      <a:r>
+                        <a:rPr lang="en-SG" sz="1200" dirty="0"/>
+                        <a:t>let Z be current mode</a:t>
+                      </a:r>
+                    </a:p>
+                  </a:txBody>
+                  <a:tcPr/>
+                </a:tc>
+                <a:tc>
+                  <a:txBody>
+                    <a:bodyPr/>
+                    <a:lstStyle/>
+                    <a:p>
+                      <a:pPr marL="0" marR="0" lvl="0" indent="0" algn="l" defTabSz="914400" rtl="0" eaLnBrk="1" fontAlgn="auto" latinLnBrk="0" hangingPunct="1">
+                        <a:lnSpc>
+                          <a:spcPct val="100000"/>
+                        </a:lnSpc>
+                        <a:spcBef>
+                          <a:spcPts val="0"/>
+                        </a:spcBef>
+                        <a:spcAft>
+                          <a:spcPts val="0"/>
+                        </a:spcAft>
+                        <a:buClrTx/>
+                        <a:buSzTx/>
+                        <a:buFontTx/>
+                        <a:buNone/>
+                        <a:tabLst/>
+                        <a:defRPr/>
+                      </a:pPr>
+                      <a:r>
+                        <a:rPr lang="en-SG" sz="1200" kern="1200" dirty="0">
+                          <a:effectLst/>
+                        </a:rPr>
+                        <a:t>any Z Commands</a:t>
+                      </a:r>
+                    </a:p>
+                    <a:p>
+                      <a:pPr marL="0" marR="0" lvl="0" indent="0" algn="l" defTabSz="914400" rtl="0" eaLnBrk="1" fontAlgn="auto" latinLnBrk="0" hangingPunct="1">
+                        <a:lnSpc>
+                          <a:spcPct val="100000"/>
+                        </a:lnSpc>
+                        <a:spcBef>
+                          <a:spcPts val="0"/>
+                        </a:spcBef>
+                        <a:spcAft>
+                          <a:spcPts val="0"/>
+                        </a:spcAft>
+                        <a:buClrTx/>
+                        <a:buSzTx/>
+                        <a:buFontTx/>
+                        <a:buNone/>
+                        <a:tabLst/>
+                        <a:defRPr/>
+                      </a:pPr>
+                      <a:r>
+                        <a:rPr lang="en-SG" sz="1200" kern="1200" dirty="0">
+                          <a:effectLst/>
+                        </a:rPr>
+                        <a:t>where Z is Home, Open or Settings</a:t>
+                      </a:r>
+                      <a:endParaRPr lang="en-SG" sz="1200" dirty="0"/>
+                    </a:p>
+                    <a:p>
+                      <a:endParaRPr lang="en-SG" sz="1200" dirty="0"/>
+                    </a:p>
+                  </a:txBody>
+                  <a:tcPr/>
+                </a:tc>
+                <a:extLst>
+                  <a:ext uri="{0D108BD9-81ED-4DB2-BD59-A6C34878D82A}">
+                    <a16:rowId xmlns:a16="http://schemas.microsoft.com/office/drawing/2014/main" val="1654127649"/>
+                  </a:ext>
+                </a:extLst>
+              </a:tr>
+              <a:tr h="1078661">
+                <a:tc>
+                  <a:txBody>
+                    <a:bodyPr/>
+                    <a:lstStyle/>
+                    <a:p>
+                      <a:pPr algn="ctr"/>
+                      <a:r>
+                        <a:rPr lang="en-SG" dirty="0"/>
+                        <a:t>C</a:t>
+                      </a:r>
+                    </a:p>
+                  </a:txBody>
+                  <a:tcPr/>
+                </a:tc>
+                <a:tc>
+                  <a:txBody>
+                    <a:bodyPr/>
+                    <a:lstStyle/>
+                    <a:p>
+                      <a:pPr marL="0" marR="0" lvl="0" indent="0" algn="ctr" defTabSz="914400" rtl="0" eaLnBrk="1" fontAlgn="auto" latinLnBrk="0" hangingPunct="1">
+                        <a:lnSpc>
+                          <a:spcPct val="100000"/>
+                        </a:lnSpc>
+                        <a:spcBef>
+                          <a:spcPts val="0"/>
+                        </a:spcBef>
+                        <a:spcAft>
+                          <a:spcPts val="0"/>
+                        </a:spcAft>
+                        <a:buClrTx/>
+                        <a:buSzTx/>
+                        <a:buFontTx/>
+                        <a:buNone/>
+                        <a:tabLst/>
+                        <a:defRPr/>
+                      </a:pPr>
+                      <a:r>
+                        <a:rPr lang="en-SG" sz="1800" kern="1200" dirty="0">
+                          <a:effectLst/>
+                        </a:rPr>
+                        <a:t>✖</a:t>
+                      </a:r>
+                      <a:endParaRPr lang="en-SG" dirty="0"/>
+                    </a:p>
+                  </a:txBody>
+                  <a:tcPr/>
+                </a:tc>
+                <a:tc>
+                  <a:txBody>
+                    <a:bodyPr/>
+                    <a:lstStyle/>
+                    <a:p>
+                      <a:pPr marL="0" marR="0" lvl="0" indent="0" algn="ctr" defTabSz="914400" rtl="0" eaLnBrk="1" fontAlgn="auto" latinLnBrk="0" hangingPunct="1">
+                        <a:lnSpc>
+                          <a:spcPct val="100000"/>
+                        </a:lnSpc>
+                        <a:spcBef>
+                          <a:spcPts val="0"/>
+                        </a:spcBef>
+                        <a:spcAft>
+                          <a:spcPts val="0"/>
+                        </a:spcAft>
+                        <a:buClrTx/>
+                        <a:buSzTx/>
+                        <a:buFontTx/>
+                        <a:buNone/>
+                        <a:tabLst/>
+                        <a:defRPr/>
+                      </a:pPr>
+                      <a:r>
+                        <a:rPr lang="en-SG" sz="1800" kern="1200" dirty="0">
+                          <a:effectLst/>
+                        </a:rPr>
+                        <a:t>✔</a:t>
+                      </a:r>
+                    </a:p>
+                    <a:p>
+                      <a:pPr marL="0" marR="0" lvl="0" indent="0" algn="ctr" defTabSz="914400" rtl="0" eaLnBrk="1" fontAlgn="auto" latinLnBrk="0" hangingPunct="1">
+                        <a:lnSpc>
+                          <a:spcPct val="100000"/>
+                        </a:lnSpc>
+                        <a:spcBef>
+                          <a:spcPts val="0"/>
+                        </a:spcBef>
+                        <a:spcAft>
+                          <a:spcPts val="0"/>
+                        </a:spcAft>
+                        <a:buClrTx/>
+                        <a:buSzTx/>
+                        <a:buFontTx/>
+                        <a:buNone/>
+                        <a:tabLst/>
+                        <a:defRPr/>
+                      </a:pPr>
+                      <a:r>
+                        <a:rPr lang="en-SG" sz="1200" dirty="0"/>
+                        <a:t>only Game Commands</a:t>
+                      </a:r>
+                    </a:p>
+                  </a:txBody>
+                  <a:tcPr/>
+                </a:tc>
+                <a:tc>
+                  <a:txBody>
+                    <a:bodyPr/>
+                    <a:lstStyle/>
+                    <a:p>
+                      <a:r>
+                        <a:rPr lang="en-SG" sz="1200" dirty="0"/>
+                        <a:t>Game is running. Unable to switch modes</a:t>
+                      </a:r>
+                    </a:p>
+                  </a:txBody>
+                  <a:tcPr/>
+                </a:tc>
+                <a:extLst>
+                  <a:ext uri="{0D108BD9-81ED-4DB2-BD59-A6C34878D82A}">
+                    <a16:rowId xmlns:a16="http://schemas.microsoft.com/office/drawing/2014/main" val="552848052"/>
+                  </a:ext>
+                </a:extLst>
+              </a:tr>
+              <a:tr h="1078661">
+                <a:tc>
+                  <a:txBody>
+                    <a:bodyPr/>
+                    <a:lstStyle/>
+                    <a:p>
+                      <a:pPr algn="ctr"/>
+                      <a:r>
+                        <a:rPr lang="en-SG" dirty="0"/>
+                        <a:t>D</a:t>
+                      </a:r>
+                    </a:p>
+                  </a:txBody>
+                  <a:tcPr/>
+                </a:tc>
+                <a:tc>
+                  <a:txBody>
+                    <a:bodyPr/>
+                    <a:lstStyle/>
+                    <a:p>
+                      <a:pPr marL="0" marR="0" lvl="0" indent="0" algn="ctr" defTabSz="914400" rtl="0" eaLnBrk="1" fontAlgn="auto" latinLnBrk="0" hangingPunct="1">
+                        <a:lnSpc>
+                          <a:spcPct val="100000"/>
+                        </a:lnSpc>
+                        <a:spcBef>
+                          <a:spcPts val="0"/>
+                        </a:spcBef>
+                        <a:spcAft>
+                          <a:spcPts val="0"/>
+                        </a:spcAft>
+                        <a:buClrTx/>
+                        <a:buSzTx/>
+                        <a:buFontTx/>
+                        <a:buNone/>
+                        <a:tabLst/>
+                        <a:defRPr/>
+                      </a:pPr>
+                      <a:r>
+                        <a:rPr lang="en-SG" sz="1800" kern="1200" dirty="0">
+                          <a:effectLst/>
+                        </a:rPr>
+                        <a:t>✔</a:t>
+                      </a:r>
+                      <a:endParaRPr lang="en-SG" dirty="0"/>
+                    </a:p>
+                  </a:txBody>
+                  <a:tcPr/>
+                </a:tc>
+                <a:tc>
+                  <a:txBody>
+                    <a:bodyPr/>
+                    <a:lstStyle/>
+                    <a:p>
+                      <a:pPr marL="0" marR="0" lvl="0" indent="0" algn="ctr" defTabSz="914400" rtl="0" eaLnBrk="1" fontAlgn="auto" latinLnBrk="0" hangingPunct="1">
+                        <a:lnSpc>
+                          <a:spcPct val="100000"/>
+                        </a:lnSpc>
+                        <a:spcBef>
+                          <a:spcPts val="0"/>
+                        </a:spcBef>
+                        <a:spcAft>
+                          <a:spcPts val="0"/>
+                        </a:spcAft>
+                        <a:buClrTx/>
+                        <a:buSzTx/>
+                        <a:buFontTx/>
+                        <a:buNone/>
+                        <a:tabLst/>
+                        <a:defRPr/>
+                      </a:pPr>
+                      <a:r>
+                        <a:rPr lang="en-SG" sz="1800" kern="1200" dirty="0">
+                          <a:effectLst/>
+                        </a:rPr>
+                        <a:t>✖</a:t>
+                      </a:r>
+                      <a:endParaRPr lang="en-SG" dirty="0"/>
+                    </a:p>
+                  </a:txBody>
+                  <a:tcPr/>
+                </a:tc>
+                <a:tc>
+                  <a:txBody>
+                    <a:bodyPr/>
+                    <a:lstStyle/>
+                    <a:p>
+                      <a:r>
+                        <a:rPr lang="en-SG" sz="1200" dirty="0"/>
+                        <a:t>Game has ended. Only can switch to other modes.</a:t>
+                      </a:r>
+                    </a:p>
+                  </a:txBody>
+                  <a:tcPr/>
+                </a:tc>
+                <a:extLst>
+                  <a:ext uri="{0D108BD9-81ED-4DB2-BD59-A6C34878D82A}">
+                    <a16:rowId xmlns:a16="http://schemas.microsoft.com/office/drawing/2014/main" val="2168972424"/>
+                  </a:ext>
+                </a:extLst>
+              </a:tr>
+            </a:tbl>
+          </a:graphicData>
+        </a:graphic>
+      </p:graphicFrame>
+      <p:sp>
+        <p:nvSpPr>
+          <p:cNvPr id="119" name="TextBox 118">
+            <a:extLst>
+              <a:ext uri="{FF2B5EF4-FFF2-40B4-BE49-F238E27FC236}">
+                <a16:creationId xmlns:a16="http://schemas.microsoft.com/office/drawing/2014/main" id="{77300EB1-29DC-4BDB-A7E0-317C35C4103C}"/>
+              </a:ext>
+            </a:extLst>
+          </p:cNvPr>
+          <p:cNvSpPr txBox="1"/>
+          <p:nvPr/>
+        </p:nvSpPr>
+        <p:spPr>
+          <a:xfrm>
+            <a:off x="703569" y="1477345"/>
+            <a:ext cx="1241910" cy="261610"/>
+          </a:xfrm>
+          <a:prstGeom prst="rect">
+            <a:avLst/>
+          </a:prstGeom>
+          <a:noFill/>
+        </p:spPr>
+        <p:txBody>
+          <a:bodyPr wrap="square" rtlCol="0">
+            <a:spAutoFit/>
+          </a:bodyPr>
+          <a:lstStyle/>
+          <a:p>
+            <a:r>
+              <a:rPr lang="en-SG" sz="1100" dirty="0"/>
+              <a:t>[Select WordBank]</a:t>
+            </a:r>
+          </a:p>
+        </p:txBody>
+      </p:sp>
+      <p:sp>
+        <p:nvSpPr>
+          <p:cNvPr id="120" name="TextBox 119">
+            <a:extLst>
+              <a:ext uri="{FF2B5EF4-FFF2-40B4-BE49-F238E27FC236}">
+                <a16:creationId xmlns:a16="http://schemas.microsoft.com/office/drawing/2014/main" id="{E1606EB6-C137-453A-8756-8EE3FF12056B}"/>
+              </a:ext>
+            </a:extLst>
+          </p:cNvPr>
+          <p:cNvSpPr txBox="1"/>
+          <p:nvPr/>
+        </p:nvSpPr>
+        <p:spPr>
+          <a:xfrm>
+            <a:off x="2629096" y="3356729"/>
+            <a:ext cx="751546" cy="600164"/>
+          </a:xfrm>
+          <a:prstGeom prst="rect">
+            <a:avLst/>
+          </a:prstGeom>
+          <a:noFill/>
+        </p:spPr>
+        <p:txBody>
+          <a:bodyPr wrap="square" rtlCol="0">
+            <a:spAutoFit/>
+          </a:bodyPr>
+          <a:lstStyle/>
+          <a:p>
+            <a:r>
+              <a:rPr lang="en-SG" sz="1100" dirty="0"/>
+              <a:t>[Home</a:t>
+            </a:r>
+          </a:p>
+          <a:p>
+            <a:r>
+              <a:rPr lang="en-SG" sz="1100" dirty="0"/>
+              <a:t>/Open</a:t>
+            </a:r>
+          </a:p>
+          <a:p>
+            <a:r>
+              <a:rPr lang="en-SG" sz="1100" dirty="0"/>
+              <a:t>/Settings]</a:t>
+            </a:r>
           </a:p>
         </p:txBody>
       </p:sp>
@@ -7367,6 +8981,306 @@
     <p:extLst>
       <p:ext uri="{BB962C8B-B14F-4D97-AF65-F5344CB8AC3E}">
         <p14:creationId xmlns:p14="http://schemas.microsoft.com/office/powerpoint/2010/main" val="1536219153"/>
+      </p:ext>
+    </p:extLst>
+  </p:cSld>
+  <p:clrMapOvr>
+    <a:masterClrMapping/>
+  </p:clrMapOvr>
+</p:sld>
+</file>
+
+<file path=ppt/slides/slide4.xml><?xml version="1.0" encoding="utf-8"?>
+<p:sld xmlns:a="http://schemas.openxmlformats.org/drawingml/2006/main" xmlns:r="http://schemas.openxmlformats.org/officeDocument/2006/relationships" xmlns:p="http://schemas.openxmlformats.org/presentationml/2006/main">
+  <p:cSld>
+    <p:spTree>
+      <p:nvGrpSpPr>
+        <p:cNvPr id="1" name=""/>
+        <p:cNvGrpSpPr/>
+        <p:nvPr/>
+      </p:nvGrpSpPr>
+      <p:grpSpPr>
+        <a:xfrm>
+          <a:off x="0" y="0"/>
+          <a:ext cx="0" cy="0"/>
+          <a:chOff x="0" y="0"/>
+          <a:chExt cx="0" cy="0"/>
+        </a:xfrm>
+      </p:grpSpPr>
+      <p:sp>
+        <p:nvSpPr>
+          <p:cNvPr id="4" name="Scroll: Horizontal 3">
+            <a:extLst>
+              <a:ext uri="{FF2B5EF4-FFF2-40B4-BE49-F238E27FC236}">
+                <a16:creationId xmlns:a16="http://schemas.microsoft.com/office/drawing/2014/main" id="{4DB2080A-E455-46FC-8D5B-302213EC050B}"/>
+              </a:ext>
+            </a:extLst>
+          </p:cNvPr>
+          <p:cNvSpPr/>
+          <p:nvPr/>
+        </p:nvSpPr>
+        <p:spPr>
+          <a:xfrm>
+            <a:off x="487974" y="-298940"/>
+            <a:ext cx="3873011" cy="1798027"/>
+          </a:xfrm>
+          <a:prstGeom prst="horizontalScroll">
+            <a:avLst>
+              <a:gd name="adj" fmla="val 12796"/>
+            </a:avLst>
+          </a:prstGeom>
+        </p:spPr>
+        <p:style>
+          <a:lnRef idx="0">
+            <a:schemeClr val="accent1"/>
+          </a:lnRef>
+          <a:fillRef idx="3">
+            <a:schemeClr val="accent1"/>
+          </a:fillRef>
+          <a:effectRef idx="3">
+            <a:schemeClr val="accent1"/>
+          </a:effectRef>
+          <a:fontRef idx="minor">
+            <a:schemeClr val="lt1"/>
+          </a:fontRef>
+        </p:style>
+        <p:txBody>
+          <a:bodyPr rtlCol="0" anchor="ctr"/>
+          <a:lstStyle/>
+          <a:p>
+            <a:pPr marL="342900" indent="-342900">
+              <a:buAutoNum type="alphaUcPeriod"/>
+            </a:pPr>
+            <a:r>
+              <a:rPr lang="en-SG" dirty="0"/>
+              <a:t>Overview</a:t>
+            </a:r>
+          </a:p>
+          <a:p>
+            <a:pPr marL="342900" indent="-342900">
+              <a:buAutoNum type="alphaUcPeriod"/>
+            </a:pPr>
+            <a:r>
+              <a:rPr lang="en-SG" dirty="0"/>
+              <a:t>Contributions</a:t>
+            </a:r>
+          </a:p>
+          <a:p>
+            <a:pPr marL="342900" indent="-342900">
+              <a:buAutoNum type="alphaUcPeriod"/>
+            </a:pPr>
+            <a:r>
+              <a:rPr lang="en-SG" dirty="0"/>
+              <a:t>User Guide Extracts</a:t>
+            </a:r>
+          </a:p>
+          <a:p>
+            <a:pPr marL="342900" indent="-342900">
+              <a:buAutoNum type="alphaUcPeriod"/>
+            </a:pPr>
+            <a:r>
+              <a:rPr lang="en-SG" dirty="0"/>
+              <a:t>Developer Guide Extracts</a:t>
+            </a:r>
+          </a:p>
+        </p:txBody>
+      </p:sp>
+      <p:sp>
+        <p:nvSpPr>
+          <p:cNvPr id="5" name="Scroll: Horizontal 4">
+            <a:extLst>
+              <a:ext uri="{FF2B5EF4-FFF2-40B4-BE49-F238E27FC236}">
+                <a16:creationId xmlns:a16="http://schemas.microsoft.com/office/drawing/2014/main" id="{5575C7E8-8BF8-41A0-B174-6D53557CBACA}"/>
+              </a:ext>
+            </a:extLst>
+          </p:cNvPr>
+          <p:cNvSpPr/>
+          <p:nvPr/>
+        </p:nvSpPr>
+        <p:spPr>
+          <a:xfrm>
+            <a:off x="1959218" y="4078164"/>
+            <a:ext cx="3873011" cy="876303"/>
+          </a:xfrm>
+          <a:prstGeom prst="horizontalScroll">
+            <a:avLst>
+              <a:gd name="adj" fmla="val 25000"/>
+            </a:avLst>
+          </a:prstGeom>
+        </p:spPr>
+        <p:style>
+          <a:lnRef idx="0">
+            <a:schemeClr val="accent1"/>
+          </a:lnRef>
+          <a:fillRef idx="3">
+            <a:schemeClr val="accent1"/>
+          </a:fillRef>
+          <a:effectRef idx="3">
+            <a:schemeClr val="accent1"/>
+          </a:effectRef>
+          <a:fontRef idx="minor">
+            <a:schemeClr val="lt1"/>
+          </a:fontRef>
+        </p:style>
+        <p:txBody>
+          <a:bodyPr rtlCol="0" anchor="ctr"/>
+          <a:lstStyle/>
+          <a:p>
+            <a:r>
+              <a:rPr lang="en-SG" dirty="0"/>
+              <a:t>C. 	User Guide Extracts</a:t>
+            </a:r>
+          </a:p>
+        </p:txBody>
+      </p:sp>
+      <p:sp>
+        <p:nvSpPr>
+          <p:cNvPr id="6" name="Scroll: Horizontal 5">
+            <a:extLst>
+              <a:ext uri="{FF2B5EF4-FFF2-40B4-BE49-F238E27FC236}">
+                <a16:creationId xmlns:a16="http://schemas.microsoft.com/office/drawing/2014/main" id="{EAA44E50-6708-46D9-AD0E-F18FF1F89C3C}"/>
+              </a:ext>
+            </a:extLst>
+          </p:cNvPr>
+          <p:cNvSpPr/>
+          <p:nvPr/>
+        </p:nvSpPr>
+        <p:spPr>
+          <a:xfrm>
+            <a:off x="1796562" y="2700702"/>
+            <a:ext cx="3873011" cy="876303"/>
+          </a:xfrm>
+          <a:prstGeom prst="horizontalScroll">
+            <a:avLst>
+              <a:gd name="adj" fmla="val 25000"/>
+            </a:avLst>
+          </a:prstGeom>
+        </p:spPr>
+        <p:style>
+          <a:lnRef idx="0">
+            <a:schemeClr val="accent1"/>
+          </a:lnRef>
+          <a:fillRef idx="3">
+            <a:schemeClr val="accent1"/>
+          </a:fillRef>
+          <a:effectRef idx="3">
+            <a:schemeClr val="accent1"/>
+          </a:effectRef>
+          <a:fontRef idx="minor">
+            <a:schemeClr val="lt1"/>
+          </a:fontRef>
+        </p:style>
+        <p:txBody>
+          <a:bodyPr rtlCol="0" anchor="ctr"/>
+          <a:lstStyle/>
+          <a:p>
+            <a:r>
+              <a:rPr lang="en-SG" dirty="0"/>
+              <a:t>B.	Contributions</a:t>
+            </a:r>
+          </a:p>
+        </p:txBody>
+      </p:sp>
+      <p:sp>
+        <p:nvSpPr>
+          <p:cNvPr id="7" name="Scroll: Horizontal 6">
+            <a:extLst>
+              <a:ext uri="{FF2B5EF4-FFF2-40B4-BE49-F238E27FC236}">
+                <a16:creationId xmlns:a16="http://schemas.microsoft.com/office/drawing/2014/main" id="{232D8FC4-7D3F-4200-A7FC-CB6DE241D367}"/>
+              </a:ext>
+            </a:extLst>
+          </p:cNvPr>
+          <p:cNvSpPr/>
+          <p:nvPr/>
+        </p:nvSpPr>
+        <p:spPr>
+          <a:xfrm>
+            <a:off x="1991457" y="5336929"/>
+            <a:ext cx="3873011" cy="876303"/>
+          </a:xfrm>
+          <a:prstGeom prst="horizontalScroll">
+            <a:avLst>
+              <a:gd name="adj" fmla="val 25000"/>
+            </a:avLst>
+          </a:prstGeom>
+        </p:spPr>
+        <p:style>
+          <a:lnRef idx="0">
+            <a:schemeClr val="accent1"/>
+          </a:lnRef>
+          <a:fillRef idx="3">
+            <a:schemeClr val="accent1"/>
+          </a:fillRef>
+          <a:effectRef idx="3">
+            <a:schemeClr val="accent1"/>
+          </a:effectRef>
+          <a:fontRef idx="minor">
+            <a:schemeClr val="lt1"/>
+          </a:fontRef>
+        </p:style>
+        <p:txBody>
+          <a:bodyPr rtlCol="0" anchor="ctr"/>
+          <a:lstStyle/>
+          <a:p>
+            <a:r>
+              <a:rPr lang="en-SG" dirty="0"/>
+              <a:t>D. 	Developer Guide Extracts</a:t>
+            </a:r>
+          </a:p>
+        </p:txBody>
+      </p:sp>
+      <p:sp>
+        <p:nvSpPr>
+          <p:cNvPr id="8" name="Scroll: Horizontal 7">
+            <a:extLst>
+              <a:ext uri="{FF2B5EF4-FFF2-40B4-BE49-F238E27FC236}">
+                <a16:creationId xmlns:a16="http://schemas.microsoft.com/office/drawing/2014/main" id="{9D37D2FD-23E4-433D-BAFB-205B6E1BCB60}"/>
+              </a:ext>
+            </a:extLst>
+          </p:cNvPr>
+          <p:cNvSpPr/>
+          <p:nvPr/>
+        </p:nvSpPr>
+        <p:spPr>
+          <a:xfrm>
+            <a:off x="2533650" y="1273419"/>
+            <a:ext cx="3873011" cy="876303"/>
+          </a:xfrm>
+          <a:prstGeom prst="horizontalScroll">
+            <a:avLst>
+              <a:gd name="adj" fmla="val 25000"/>
+            </a:avLst>
+          </a:prstGeom>
+        </p:spPr>
+        <p:style>
+          <a:lnRef idx="0">
+            <a:schemeClr val="accent1"/>
+          </a:lnRef>
+          <a:fillRef idx="3">
+            <a:schemeClr val="accent1"/>
+          </a:fillRef>
+          <a:effectRef idx="3">
+            <a:schemeClr val="accent1"/>
+          </a:effectRef>
+          <a:fontRef idx="minor">
+            <a:schemeClr val="lt1"/>
+          </a:fontRef>
+        </p:style>
+        <p:txBody>
+          <a:bodyPr rtlCol="0" anchor="ctr"/>
+          <a:lstStyle/>
+          <a:p>
+            <a:r>
+              <a:rPr lang="en-SG" dirty="0"/>
+              <a:t>A.	Overview</a:t>
+            </a:r>
+          </a:p>
+        </p:txBody>
+      </p:sp>
+    </p:spTree>
+    <p:extLst>
+      <p:ext uri="{BB962C8B-B14F-4D97-AF65-F5344CB8AC3E}">
+        <p14:creationId xmlns:p14="http://schemas.microsoft.com/office/powerpoint/2010/main" val="2981971644"/>
       </p:ext>
     </p:extLst>
   </p:cSld>
